--- a/present/collections.pptx
+++ b/present/collections.pptx
@@ -4038,49 +4038,49 @@
                 <a:gridCol w="1534313">
                   <a:extLst>
                     <a:ext uri="{9D8B030D-6E8A-4147-A177-3AD203B41FA5}">
-                      <a16:colId xmlns:a16="http://schemas.microsoft.com/office/drawing/2014/main" val="1606924520"/>
+                      <a16:colId xmlns:a16="http://schemas.microsoft.com/office/drawing/2014/main" xmlns="" val="1606924520"/>
                     </a:ext>
                   </a:extLst>
                 </a:gridCol>
                 <a:gridCol w="1534313">
                   <a:extLst>
                     <a:ext uri="{9D8B030D-6E8A-4147-A177-3AD203B41FA5}">
-                      <a16:colId xmlns:a16="http://schemas.microsoft.com/office/drawing/2014/main" val="1777018352"/>
+                      <a16:colId xmlns:a16="http://schemas.microsoft.com/office/drawing/2014/main" xmlns="" val="1777018352"/>
                     </a:ext>
                   </a:extLst>
                 </a:gridCol>
                 <a:gridCol w="1534313">
                   <a:extLst>
                     <a:ext uri="{9D8B030D-6E8A-4147-A177-3AD203B41FA5}">
-                      <a16:colId xmlns:a16="http://schemas.microsoft.com/office/drawing/2014/main" val="399853190"/>
+                      <a16:colId xmlns:a16="http://schemas.microsoft.com/office/drawing/2014/main" xmlns="" val="399853190"/>
                     </a:ext>
                   </a:extLst>
                 </a:gridCol>
                 <a:gridCol w="1534313">
                   <a:extLst>
                     <a:ext uri="{9D8B030D-6E8A-4147-A177-3AD203B41FA5}">
-                      <a16:colId xmlns:a16="http://schemas.microsoft.com/office/drawing/2014/main" val="4065456098"/>
+                      <a16:colId xmlns:a16="http://schemas.microsoft.com/office/drawing/2014/main" xmlns="" val="4065456098"/>
                     </a:ext>
                   </a:extLst>
                 </a:gridCol>
                 <a:gridCol w="1534313">
                   <a:extLst>
                     <a:ext uri="{9D8B030D-6E8A-4147-A177-3AD203B41FA5}">
-                      <a16:colId xmlns:a16="http://schemas.microsoft.com/office/drawing/2014/main" val="1796120160"/>
+                      <a16:colId xmlns:a16="http://schemas.microsoft.com/office/drawing/2014/main" xmlns="" val="1796120160"/>
                     </a:ext>
                   </a:extLst>
                 </a:gridCol>
                 <a:gridCol w="1534313">
                   <a:extLst>
                     <a:ext uri="{9D8B030D-6E8A-4147-A177-3AD203B41FA5}">
-                      <a16:colId xmlns:a16="http://schemas.microsoft.com/office/drawing/2014/main" val="3482725306"/>
+                      <a16:colId xmlns:a16="http://schemas.microsoft.com/office/drawing/2014/main" xmlns="" val="3482725306"/>
                     </a:ext>
                   </a:extLst>
                 </a:gridCol>
                 <a:gridCol w="1534313">
                   <a:extLst>
                     <a:ext uri="{9D8B030D-6E8A-4147-A177-3AD203B41FA5}">
-                      <a16:colId xmlns:a16="http://schemas.microsoft.com/office/drawing/2014/main" val="3967426493"/>
+                      <a16:colId xmlns:a16="http://schemas.microsoft.com/office/drawing/2014/main" xmlns="" val="3967426493"/>
                     </a:ext>
                   </a:extLst>
                 </a:gridCol>
@@ -4190,7 +4190,7 @@
                 </a:tc>
                 <a:extLst>
                   <a:ext uri="{0D108BD9-81ED-4DB2-BD59-A6C34878D82A}">
-                    <a16:rowId xmlns:a16="http://schemas.microsoft.com/office/drawing/2014/main" val="669191544"/>
+                    <a16:rowId xmlns:a16="http://schemas.microsoft.com/office/drawing/2014/main" xmlns="" val="669191544"/>
                   </a:ext>
                 </a:extLst>
               </a:tr>
@@ -4309,7 +4309,7 @@
                 </a:tc>
                 <a:extLst>
                   <a:ext uri="{0D108BD9-81ED-4DB2-BD59-A6C34878D82A}">
-                    <a16:rowId xmlns:a16="http://schemas.microsoft.com/office/drawing/2014/main" val="2010324648"/>
+                    <a16:rowId xmlns:a16="http://schemas.microsoft.com/office/drawing/2014/main" xmlns="" val="2010324648"/>
                   </a:ext>
                 </a:extLst>
               </a:tr>
@@ -4428,7 +4428,7 @@
                 </a:tc>
                 <a:extLst>
                   <a:ext uri="{0D108BD9-81ED-4DB2-BD59-A6C34878D82A}">
-                    <a16:rowId xmlns:a16="http://schemas.microsoft.com/office/drawing/2014/main" val="1520123013"/>
+                    <a16:rowId xmlns:a16="http://schemas.microsoft.com/office/drawing/2014/main" xmlns="" val="1520123013"/>
                   </a:ext>
                 </a:extLst>
               </a:tr>
@@ -4540,7 +4540,7 @@
                 </a:tc>
                 <a:extLst>
                   <a:ext uri="{0D108BD9-81ED-4DB2-BD59-A6C34878D82A}">
-                    <a16:rowId xmlns:a16="http://schemas.microsoft.com/office/drawing/2014/main" val="2466294046"/>
+                    <a16:rowId xmlns:a16="http://schemas.microsoft.com/office/drawing/2014/main" xmlns="" val="2466294046"/>
                   </a:ext>
                 </a:extLst>
               </a:tr>
@@ -4771,14 +4771,14 @@
                 <a:gridCol w="3063435">
                   <a:extLst>
                     <a:ext uri="{9D8B030D-6E8A-4147-A177-3AD203B41FA5}">
-                      <a16:colId xmlns:a16="http://schemas.microsoft.com/office/drawing/2014/main" val="1865107245"/>
+                      <a16:colId xmlns:a16="http://schemas.microsoft.com/office/drawing/2014/main" xmlns="" val="1865107245"/>
                     </a:ext>
                   </a:extLst>
                 </a:gridCol>
                 <a:gridCol w="7540798">
                   <a:extLst>
                     <a:ext uri="{9D8B030D-6E8A-4147-A177-3AD203B41FA5}">
-                      <a16:colId xmlns:a16="http://schemas.microsoft.com/office/drawing/2014/main" val="2044572112"/>
+                      <a16:colId xmlns:a16="http://schemas.microsoft.com/office/drawing/2014/main" xmlns="" val="2044572112"/>
                     </a:ext>
                   </a:extLst>
                 </a:gridCol>
@@ -4812,7 +4812,7 @@
                 </a:tc>
                 <a:extLst>
                   <a:ext uri="{0D108BD9-81ED-4DB2-BD59-A6C34878D82A}">
-                    <a16:rowId xmlns:a16="http://schemas.microsoft.com/office/drawing/2014/main" val="347838295"/>
+                    <a16:rowId xmlns:a16="http://schemas.microsoft.com/office/drawing/2014/main" xmlns="" val="347838295"/>
                   </a:ext>
                 </a:extLst>
               </a:tr>
@@ -4845,7 +4845,7 @@
                 </a:tc>
                 <a:extLst>
                   <a:ext uri="{0D108BD9-81ED-4DB2-BD59-A6C34878D82A}">
-                    <a16:rowId xmlns:a16="http://schemas.microsoft.com/office/drawing/2014/main" val="2345846"/>
+                    <a16:rowId xmlns:a16="http://schemas.microsoft.com/office/drawing/2014/main" xmlns="" val="2345846"/>
                   </a:ext>
                 </a:extLst>
               </a:tr>
@@ -4878,7 +4878,7 @@
                 </a:tc>
                 <a:extLst>
                   <a:ext uri="{0D108BD9-81ED-4DB2-BD59-A6C34878D82A}">
-                    <a16:rowId xmlns:a16="http://schemas.microsoft.com/office/drawing/2014/main" val="3050543131"/>
+                    <a16:rowId xmlns:a16="http://schemas.microsoft.com/office/drawing/2014/main" xmlns="" val="3050543131"/>
                   </a:ext>
                 </a:extLst>
               </a:tr>
@@ -4911,7 +4911,7 @@
                 </a:tc>
                 <a:extLst>
                   <a:ext uri="{0D108BD9-81ED-4DB2-BD59-A6C34878D82A}">
-                    <a16:rowId xmlns:a16="http://schemas.microsoft.com/office/drawing/2014/main" val="2912284280"/>
+                    <a16:rowId xmlns:a16="http://schemas.microsoft.com/office/drawing/2014/main" xmlns="" val="2912284280"/>
                   </a:ext>
                 </a:extLst>
               </a:tr>
@@ -4944,7 +4944,7 @@
                 </a:tc>
                 <a:extLst>
                   <a:ext uri="{0D108BD9-81ED-4DB2-BD59-A6C34878D82A}">
-                    <a16:rowId xmlns:a16="http://schemas.microsoft.com/office/drawing/2014/main" val="3727108548"/>
+                    <a16:rowId xmlns:a16="http://schemas.microsoft.com/office/drawing/2014/main" xmlns="" val="3727108548"/>
                   </a:ext>
                 </a:extLst>
               </a:tr>
@@ -4977,7 +4977,7 @@
                 </a:tc>
                 <a:extLst>
                   <a:ext uri="{0D108BD9-81ED-4DB2-BD59-A6C34878D82A}">
-                    <a16:rowId xmlns:a16="http://schemas.microsoft.com/office/drawing/2014/main" val="3680556749"/>
+                    <a16:rowId xmlns:a16="http://schemas.microsoft.com/office/drawing/2014/main" xmlns="" val="3680556749"/>
                   </a:ext>
                 </a:extLst>
               </a:tr>
@@ -5010,7 +5010,7 @@
                 </a:tc>
                 <a:extLst>
                   <a:ext uri="{0D108BD9-81ED-4DB2-BD59-A6C34878D82A}">
-                    <a16:rowId xmlns:a16="http://schemas.microsoft.com/office/drawing/2014/main" val="1823078332"/>
+                    <a16:rowId xmlns:a16="http://schemas.microsoft.com/office/drawing/2014/main" xmlns="" val="1823078332"/>
                   </a:ext>
                 </a:extLst>
               </a:tr>
@@ -5043,7 +5043,7 @@
                 </a:tc>
                 <a:extLst>
                   <a:ext uri="{0D108BD9-81ED-4DB2-BD59-A6C34878D82A}">
-                    <a16:rowId xmlns:a16="http://schemas.microsoft.com/office/drawing/2014/main" val="1801980680"/>
+                    <a16:rowId xmlns:a16="http://schemas.microsoft.com/office/drawing/2014/main" xmlns="" val="1801980680"/>
                   </a:ext>
                 </a:extLst>
               </a:tr>
@@ -5240,6 +5240,36 @@
           <a:bodyPr/>
           <a:lstStyle/>
           <a:p>
+            <a:r>
+              <a:rPr lang="ru-RU" altLang="ru-RU" b="1" dirty="0">
+                <a:latin typeface="Arial" panose="020B0604020202020204" pitchFamily="34" charset="0"/>
+              </a:rPr>
+              <a:t>Операции над</a:t>
+            </a:r>
+            <a:r>
+              <a:rPr lang="en-US" altLang="ru-RU" b="1" dirty="0">
+                <a:latin typeface="Arial" panose="020B0604020202020204" pitchFamily="34" charset="0"/>
+              </a:rPr>
+              <a:t> </a:t>
+            </a:r>
+            <a:r>
+              <a:rPr lang="ru-RU" altLang="ru-RU" b="1" dirty="0" err="1">
+                <a:latin typeface="Arial" panose="020B0604020202020204" pitchFamily="34" charset="0"/>
+              </a:rPr>
+              <a:t>nested</a:t>
+            </a:r>
+            <a:r>
+              <a:rPr lang="ru-RU" altLang="ru-RU" b="1" dirty="0">
+                <a:latin typeface="Arial" panose="020B0604020202020204" pitchFamily="34" charset="0"/>
+              </a:rPr>
+              <a:t> </a:t>
+            </a:r>
+            <a:r>
+              <a:rPr lang="ru-RU" altLang="ru-RU" b="1" dirty="0" err="1">
+                <a:latin typeface="Arial" panose="020B0604020202020204" pitchFamily="34" charset="0"/>
+              </a:rPr>
+              <a:t>table</a:t>
+            </a:r>
             <a:endParaRPr lang="ru-RU" dirty="0"/>
           </a:p>
         </p:txBody>
@@ -5273,14 +5303,14 @@
                 <a:gridCol w="5257800">
                   <a:extLst>
                     <a:ext uri="{9D8B030D-6E8A-4147-A177-3AD203B41FA5}">
-                      <a16:colId xmlns:a16="http://schemas.microsoft.com/office/drawing/2014/main" val="605345547"/>
+                      <a16:colId xmlns:a16="http://schemas.microsoft.com/office/drawing/2014/main" xmlns="" val="605345547"/>
                     </a:ext>
                   </a:extLst>
                 </a:gridCol>
                 <a:gridCol w="5257800">
                   <a:extLst>
                     <a:ext uri="{9D8B030D-6E8A-4147-A177-3AD203B41FA5}">
-                      <a16:colId xmlns:a16="http://schemas.microsoft.com/office/drawing/2014/main" val="1703787443"/>
+                      <a16:colId xmlns:a16="http://schemas.microsoft.com/office/drawing/2014/main" xmlns="" val="1703787443"/>
                     </a:ext>
                   </a:extLst>
                 </a:gridCol>
@@ -5314,7 +5344,7 @@
                 </a:tc>
                 <a:extLst>
                   <a:ext uri="{0D108BD9-81ED-4DB2-BD59-A6C34878D82A}">
-                    <a16:rowId xmlns:a16="http://schemas.microsoft.com/office/drawing/2014/main" val="856781766"/>
+                    <a16:rowId xmlns:a16="http://schemas.microsoft.com/office/drawing/2014/main" xmlns="" val="856781766"/>
                   </a:ext>
                 </a:extLst>
               </a:tr>
@@ -5347,7 +5377,7 @@
                 </a:tc>
                 <a:extLst>
                   <a:ext uri="{0D108BD9-81ED-4DB2-BD59-A6C34878D82A}">
-                    <a16:rowId xmlns:a16="http://schemas.microsoft.com/office/drawing/2014/main" val="662851805"/>
+                    <a16:rowId xmlns:a16="http://schemas.microsoft.com/office/drawing/2014/main" xmlns="" val="662851805"/>
                   </a:ext>
                 </a:extLst>
               </a:tr>
@@ -5380,7 +5410,7 @@
                 </a:tc>
                 <a:extLst>
                   <a:ext uri="{0D108BD9-81ED-4DB2-BD59-A6C34878D82A}">
-                    <a16:rowId xmlns:a16="http://schemas.microsoft.com/office/drawing/2014/main" val="1494513404"/>
+                    <a16:rowId xmlns:a16="http://schemas.microsoft.com/office/drawing/2014/main" xmlns="" val="1494513404"/>
                   </a:ext>
                 </a:extLst>
               </a:tr>
@@ -5413,7 +5443,7 @@
                 </a:tc>
                 <a:extLst>
                   <a:ext uri="{0D108BD9-81ED-4DB2-BD59-A6C34878D82A}">
-                    <a16:rowId xmlns:a16="http://schemas.microsoft.com/office/drawing/2014/main" val="2011502941"/>
+                    <a16:rowId xmlns:a16="http://schemas.microsoft.com/office/drawing/2014/main" xmlns="" val="2011502941"/>
                   </a:ext>
                 </a:extLst>
               </a:tr>
@@ -5446,7 +5476,7 @@
                 </a:tc>
                 <a:extLst>
                   <a:ext uri="{0D108BD9-81ED-4DB2-BD59-A6C34878D82A}">
-                    <a16:rowId xmlns:a16="http://schemas.microsoft.com/office/drawing/2014/main" val="1916584088"/>
+                    <a16:rowId xmlns:a16="http://schemas.microsoft.com/office/drawing/2014/main" xmlns="" val="1916584088"/>
                   </a:ext>
                 </a:extLst>
               </a:tr>
@@ -5479,7 +5509,7 @@
                 </a:tc>
                 <a:extLst>
                   <a:ext uri="{0D108BD9-81ED-4DB2-BD59-A6C34878D82A}">
-                    <a16:rowId xmlns:a16="http://schemas.microsoft.com/office/drawing/2014/main" val="4164912097"/>
+                    <a16:rowId xmlns:a16="http://schemas.microsoft.com/office/drawing/2014/main" xmlns="" val="4164912097"/>
                   </a:ext>
                 </a:extLst>
               </a:tr>
@@ -5512,7 +5542,7 @@
                 </a:tc>
                 <a:extLst>
                   <a:ext uri="{0D108BD9-81ED-4DB2-BD59-A6C34878D82A}">
-                    <a16:rowId xmlns:a16="http://schemas.microsoft.com/office/drawing/2014/main" val="1220362132"/>
+                    <a16:rowId xmlns:a16="http://schemas.microsoft.com/office/drawing/2014/main" xmlns="" val="1220362132"/>
                   </a:ext>
                 </a:extLst>
               </a:tr>
@@ -5545,7 +5575,7 @@
                 </a:tc>
                 <a:extLst>
                   <a:ext uri="{0D108BD9-81ED-4DB2-BD59-A6C34878D82A}">
-                    <a16:rowId xmlns:a16="http://schemas.microsoft.com/office/drawing/2014/main" val="2480878758"/>
+                    <a16:rowId xmlns:a16="http://schemas.microsoft.com/office/drawing/2014/main" xmlns="" val="2480878758"/>
                   </a:ext>
                 </a:extLst>
               </a:tr>
@@ -5553,157 +5583,6 @@
           </a:graphicData>
         </a:graphic>
       </p:graphicFrame>
-      <p:sp>
-        <p:nvSpPr>
-          <p:cNvPr id="6" name="Rectangle 1"/>
-          <p:cNvSpPr>
-            <a:spLocks noChangeArrowheads="1"/>
-          </p:cNvSpPr>
-          <p:nvPr/>
-        </p:nvSpPr>
-        <p:spPr bwMode="auto">
-          <a:xfrm>
-            <a:off x="838200" y="455156"/>
-            <a:ext cx="3217547" cy="923330"/>
-          </a:xfrm>
-          <a:prstGeom prst="rect">
-            <a:avLst/>
-          </a:prstGeom>
-          <a:noFill/>
-          <a:ln>
-            <a:noFill/>
-          </a:ln>
-          <a:effectLst/>
-          <a:extLst>
-            <a:ext uri="{909E8E84-426E-40DD-AFC4-6F175D3DCCD1}">
-              <a14:hiddenFill xmlns:a14="http://schemas.microsoft.com/office/drawing/2010/main">
-                <a:solidFill>
-                  <a:schemeClr val="accent1"/>
-                </a:solidFill>
-              </a14:hiddenFill>
-            </a:ext>
-            <a:ext uri="{91240B29-F687-4F45-9708-019B960494DF}">
-              <a14:hiddenLine xmlns:a14="http://schemas.microsoft.com/office/drawing/2010/main" w="9525">
-                <a:solidFill>
-                  <a:schemeClr val="tx1"/>
-                </a:solidFill>
-                <a:miter lim="800000"/>
-                <a:headEnd/>
-                <a:tailEnd/>
-              </a14:hiddenLine>
-            </a:ext>
-            <a:ext uri="{AF507438-7753-43E0-B8FC-AC1667EBCBE1}">
-              <a14:hiddenEffects xmlns:a14="http://schemas.microsoft.com/office/drawing/2010/main">
-                <a:effectLst>
-                  <a:outerShdw dist="35921" dir="2700000" algn="ctr" rotWithShape="0">
-                    <a:schemeClr val="bg2"/>
-                  </a:outerShdw>
-                </a:effectLst>
-              </a14:hiddenEffects>
-            </a:ext>
-          </a:extLst>
-        </p:spPr>
-        <p:txBody>
-          <a:bodyPr vert="horz" wrap="none" lIns="91440" tIns="45720" rIns="91440" bIns="45720" numCol="1" anchor="ctr" anchorCtr="0" compatLnSpc="1">
-            <a:prstTxWarp prst="textNoShape">
-              <a:avLst/>
-            </a:prstTxWarp>
-            <a:spAutoFit/>
-          </a:bodyPr>
-          <a:lstStyle/>
-          <a:p>
-            <a:pPr marL="0" marR="0" lvl="0" indent="0" algn="l" defTabSz="914400" rtl="0" eaLnBrk="0" fontAlgn="base" latinLnBrk="0" hangingPunct="0">
-              <a:lnSpc>
-                <a:spcPct val="100000"/>
-              </a:lnSpc>
-              <a:spcBef>
-                <a:spcPct val="0"/>
-              </a:spcBef>
-              <a:spcAft>
-                <a:spcPct val="0"/>
-              </a:spcAft>
-              <a:buClrTx/>
-              <a:buSzTx/>
-              <a:buFontTx/>
-              <a:buNone/>
-              <a:tabLst/>
-            </a:pPr>
-            <a:r>
-              <a:rPr kumimoji="0" lang="ru-RU" altLang="ru-RU" sz="1800" b="1" i="0" u="none" strike="noStrike" cap="none" normalizeH="0" baseline="0" dirty="0" smtClean="0">
-                <a:ln>
-                  <a:noFill/>
-                </a:ln>
-                <a:solidFill>
-                  <a:schemeClr val="tx1"/>
-                </a:solidFill>
-                <a:effectLst/>
-                <a:latin typeface="Arial" panose="020B0604020202020204" pitchFamily="34" charset="0"/>
-              </a:rPr>
-              <a:t>Операции надnested table</a:t>
-            </a:r>
-            <a:r>
-              <a:rPr kumimoji="0" lang="ru-RU" altLang="ru-RU" sz="1800" b="0" i="0" u="none" strike="noStrike" cap="none" normalizeH="0" baseline="0" dirty="0" smtClean="0">
-                <a:ln>
-                  <a:noFill/>
-                </a:ln>
-                <a:solidFill>
-                  <a:schemeClr val="tx1"/>
-                </a:solidFill>
-                <a:effectLst/>
-                <a:latin typeface="Arial" panose="020B0604020202020204" pitchFamily="34" charset="0"/>
-              </a:rPr>
-              <a:t>.</a:t>
-            </a:r>
-            <a:br>
-              <a:rPr kumimoji="0" lang="ru-RU" altLang="ru-RU" sz="1800" b="0" i="0" u="none" strike="noStrike" cap="none" normalizeH="0" baseline="0" dirty="0" smtClean="0">
-                <a:ln>
-                  <a:noFill/>
-                </a:ln>
-                <a:solidFill>
-                  <a:schemeClr val="tx1"/>
-                </a:solidFill>
-                <a:effectLst/>
-                <a:latin typeface="Arial" panose="020B0604020202020204" pitchFamily="34" charset="0"/>
-              </a:rPr>
-            </a:br>
-            <a:r>
-              <a:rPr kumimoji="0" lang="ru-RU" altLang="ru-RU" sz="1800" b="0" i="0" u="none" strike="noStrike" cap="none" normalizeH="0" baseline="0" dirty="0" smtClean="0">
-                <a:ln>
-                  <a:noFill/>
-                </a:ln>
-                <a:solidFill>
-                  <a:schemeClr val="tx1"/>
-                </a:solidFill>
-                <a:effectLst/>
-                <a:latin typeface="Arial" panose="020B0604020202020204" pitchFamily="34" charset="0"/>
-              </a:rPr>
-              <a:t/>
-            </a:r>
-            <a:br>
-              <a:rPr kumimoji="0" lang="ru-RU" altLang="ru-RU" sz="1800" b="0" i="0" u="none" strike="noStrike" cap="none" normalizeH="0" baseline="0" dirty="0" smtClean="0">
-                <a:ln>
-                  <a:noFill/>
-                </a:ln>
-                <a:solidFill>
-                  <a:schemeClr val="tx1"/>
-                </a:solidFill>
-                <a:effectLst/>
-                <a:latin typeface="Arial" panose="020B0604020202020204" pitchFamily="34" charset="0"/>
-              </a:rPr>
-            </a:br>
-            <a:endParaRPr kumimoji="0" lang="ru-RU" altLang="ru-RU" sz="1800" b="0" i="0" u="none" strike="noStrike" cap="none" normalizeH="0" baseline="0" dirty="0" smtClean="0">
-              <a:ln>
-                <a:noFill/>
-              </a:ln>
-              <a:solidFill>
-                <a:schemeClr val="tx1"/>
-              </a:solidFill>
-              <a:effectLst/>
-              <a:latin typeface="Arial" panose="020B0604020202020204" pitchFamily="34" charset="0"/>
-            </a:endParaRPr>
-          </a:p>
-        </p:txBody>
-      </p:sp>
     </p:spTree>
     <p:extLst>
       <p:ext uri="{BB962C8B-B14F-4D97-AF65-F5344CB8AC3E}">
@@ -5762,42 +5641,42 @@
                 <a:gridCol w="676836">
                   <a:extLst>
                     <a:ext uri="{9D8B030D-6E8A-4147-A177-3AD203B41FA5}">
-                      <a16:colId xmlns:a16="http://schemas.microsoft.com/office/drawing/2014/main" val="1845938774"/>
+                      <a16:colId xmlns:a16="http://schemas.microsoft.com/office/drawing/2014/main" xmlns="" val="1845938774"/>
                     </a:ext>
                   </a:extLst>
                 </a:gridCol>
                 <a:gridCol w="1011115">
                   <a:extLst>
                     <a:ext uri="{9D8B030D-6E8A-4147-A177-3AD203B41FA5}">
-                      <a16:colId xmlns:a16="http://schemas.microsoft.com/office/drawing/2014/main" val="3963214985"/>
+                      <a16:colId xmlns:a16="http://schemas.microsoft.com/office/drawing/2014/main" xmlns="" val="3963214985"/>
                     </a:ext>
                   </a:extLst>
                 </a:gridCol>
                 <a:gridCol w="3533990">
                   <a:extLst>
                     <a:ext uri="{9D8B030D-6E8A-4147-A177-3AD203B41FA5}">
-                      <a16:colId xmlns:a16="http://schemas.microsoft.com/office/drawing/2014/main" val="2566036996"/>
+                      <a16:colId xmlns:a16="http://schemas.microsoft.com/office/drawing/2014/main" xmlns="" val="2566036996"/>
                     </a:ext>
                   </a:extLst>
                 </a:gridCol>
                 <a:gridCol w="1740647">
                   <a:extLst>
                     <a:ext uri="{9D8B030D-6E8A-4147-A177-3AD203B41FA5}">
-                      <a16:colId xmlns:a16="http://schemas.microsoft.com/office/drawing/2014/main" val="2409195499"/>
+                      <a16:colId xmlns:a16="http://schemas.microsoft.com/office/drawing/2014/main" xmlns="" val="2409195499"/>
                     </a:ext>
                   </a:extLst>
                 </a:gridCol>
                 <a:gridCol w="1740647">
                   <a:extLst>
                     <a:ext uri="{9D8B030D-6E8A-4147-A177-3AD203B41FA5}">
-                      <a16:colId xmlns:a16="http://schemas.microsoft.com/office/drawing/2014/main" val="709704231"/>
+                      <a16:colId xmlns:a16="http://schemas.microsoft.com/office/drawing/2014/main" xmlns="" val="709704231"/>
                     </a:ext>
                   </a:extLst>
                 </a:gridCol>
                 <a:gridCol w="1740647">
                   <a:extLst>
                     <a:ext uri="{9D8B030D-6E8A-4147-A177-3AD203B41FA5}">
-                      <a16:colId xmlns:a16="http://schemas.microsoft.com/office/drawing/2014/main" val="3958279487"/>
+                      <a16:colId xmlns:a16="http://schemas.microsoft.com/office/drawing/2014/main" xmlns="" val="3958279487"/>
                     </a:ext>
                   </a:extLst>
                 </a:gridCol>
@@ -5889,7 +5768,7 @@
                 </a:tc>
                 <a:extLst>
                   <a:ext uri="{0D108BD9-81ED-4DB2-BD59-A6C34878D82A}">
-                    <a16:rowId xmlns:a16="http://schemas.microsoft.com/office/drawing/2014/main" val="3219659232"/>
+                    <a16:rowId xmlns:a16="http://schemas.microsoft.com/office/drawing/2014/main" xmlns="" val="3219659232"/>
                   </a:ext>
                 </a:extLst>
               </a:tr>
@@ -5974,7 +5853,7 @@
                 </a:tc>
                 <a:extLst>
                   <a:ext uri="{0D108BD9-81ED-4DB2-BD59-A6C34878D82A}">
-                    <a16:rowId xmlns:a16="http://schemas.microsoft.com/office/drawing/2014/main" val="3665311334"/>
+                    <a16:rowId xmlns:a16="http://schemas.microsoft.com/office/drawing/2014/main" xmlns="" val="3665311334"/>
                   </a:ext>
                 </a:extLst>
               </a:tr>
@@ -6059,7 +5938,7 @@
                 </a:tc>
                 <a:extLst>
                   <a:ext uri="{0D108BD9-81ED-4DB2-BD59-A6C34878D82A}">
-                    <a16:rowId xmlns:a16="http://schemas.microsoft.com/office/drawing/2014/main" val="3983034414"/>
+                    <a16:rowId xmlns:a16="http://schemas.microsoft.com/office/drawing/2014/main" xmlns="" val="3983034414"/>
                   </a:ext>
                 </a:extLst>
               </a:tr>
@@ -6144,7 +6023,7 @@
                 </a:tc>
                 <a:extLst>
                   <a:ext uri="{0D108BD9-81ED-4DB2-BD59-A6C34878D82A}">
-                    <a16:rowId xmlns:a16="http://schemas.microsoft.com/office/drawing/2014/main" val="2570218252"/>
+                    <a16:rowId xmlns:a16="http://schemas.microsoft.com/office/drawing/2014/main" xmlns="" val="2570218252"/>
                   </a:ext>
                 </a:extLst>
               </a:tr>
@@ -6229,7 +6108,7 @@
                 </a:tc>
                 <a:extLst>
                   <a:ext uri="{0D108BD9-81ED-4DB2-BD59-A6C34878D82A}">
-                    <a16:rowId xmlns:a16="http://schemas.microsoft.com/office/drawing/2014/main" val="561759222"/>
+                    <a16:rowId xmlns:a16="http://schemas.microsoft.com/office/drawing/2014/main" xmlns="" val="561759222"/>
                   </a:ext>
                 </a:extLst>
               </a:tr>
@@ -6314,7 +6193,7 @@
                 </a:tc>
                 <a:extLst>
                   <a:ext uri="{0D108BD9-81ED-4DB2-BD59-A6C34878D82A}">
-                    <a16:rowId xmlns:a16="http://schemas.microsoft.com/office/drawing/2014/main" val="1742098490"/>
+                    <a16:rowId xmlns:a16="http://schemas.microsoft.com/office/drawing/2014/main" xmlns="" val="1742098490"/>
                   </a:ext>
                 </a:extLst>
               </a:tr>
@@ -6399,7 +6278,7 @@
                 </a:tc>
                 <a:extLst>
                   <a:ext uri="{0D108BD9-81ED-4DB2-BD59-A6C34878D82A}">
-                    <a16:rowId xmlns:a16="http://schemas.microsoft.com/office/drawing/2014/main" val="2645773537"/>
+                    <a16:rowId xmlns:a16="http://schemas.microsoft.com/office/drawing/2014/main" xmlns="" val="2645773537"/>
                   </a:ext>
                 </a:extLst>
               </a:tr>
@@ -6484,7 +6363,7 @@
                 </a:tc>
                 <a:extLst>
                   <a:ext uri="{0D108BD9-81ED-4DB2-BD59-A6C34878D82A}">
-                    <a16:rowId xmlns:a16="http://schemas.microsoft.com/office/drawing/2014/main" val="1719511127"/>
+                    <a16:rowId xmlns:a16="http://schemas.microsoft.com/office/drawing/2014/main" xmlns="" val="1719511127"/>
                   </a:ext>
                 </a:extLst>
               </a:tr>
@@ -6569,7 +6448,7 @@
                 </a:tc>
                 <a:extLst>
                   <a:ext uri="{0D108BD9-81ED-4DB2-BD59-A6C34878D82A}">
-                    <a16:rowId xmlns:a16="http://schemas.microsoft.com/office/drawing/2014/main" val="1056457177"/>
+                    <a16:rowId xmlns:a16="http://schemas.microsoft.com/office/drawing/2014/main" xmlns="" val="1056457177"/>
                   </a:ext>
                 </a:extLst>
               </a:tr>
@@ -6654,7 +6533,7 @@
                 </a:tc>
                 <a:extLst>
                   <a:ext uri="{0D108BD9-81ED-4DB2-BD59-A6C34878D82A}">
-                    <a16:rowId xmlns:a16="http://schemas.microsoft.com/office/drawing/2014/main" val="298939489"/>
+                    <a16:rowId xmlns:a16="http://schemas.microsoft.com/office/drawing/2014/main" xmlns="" val="298939489"/>
                   </a:ext>
                 </a:extLst>
               </a:tr>
@@ -6739,7 +6618,7 @@
                 </a:tc>
                 <a:extLst>
                   <a:ext uri="{0D108BD9-81ED-4DB2-BD59-A6C34878D82A}">
-                    <a16:rowId xmlns:a16="http://schemas.microsoft.com/office/drawing/2014/main" val="2848977049"/>
+                    <a16:rowId xmlns:a16="http://schemas.microsoft.com/office/drawing/2014/main" xmlns="" val="2848977049"/>
                   </a:ext>
                 </a:extLst>
               </a:tr>
@@ -6832,7 +6711,7 @@
     </a:clrScheme>
     <a:fontScheme name="Office">
       <a:majorFont>
-        <a:latin typeface="Calibri Light" panose="020F0302020204030204"/>
+        <a:latin typeface="Calibri Light"/>
         <a:ea typeface=""/>
         <a:cs typeface=""/>
         <a:font script="Jpan" typeface="游ゴシック Light"/>
@@ -6867,7 +6746,7 @@
         <a:font script="Geor" typeface="Sylfaen"/>
       </a:majorFont>
       <a:minorFont>
-        <a:latin typeface="Calibri" panose="020F0502020204030204"/>
+        <a:latin typeface="Calibri"/>
         <a:ea typeface=""/>
         <a:cs typeface=""/>
         <a:font script="Jpan" typeface="游ゴシック"/>
@@ -7044,7 +6923,7 @@
   <a:extraClrSchemeLst/>
   <a:extLst>
     <a:ext uri="{05A4C25C-085E-4340-85A3-A5531E510DB2}">
-      <thm15:themeFamily xmlns:thm15="http://schemas.microsoft.com/office/thememl/2012/main" name="Office Theme" id="{62F939B6-93AF-4DB8-9C6B-D6C7DFDC589F}" vid="{4A3C46E8-61CC-4603-A589-7422A47A8E4A}"/>
+      <thm15:themeFamily xmlns:thm15="http://schemas.microsoft.com/office/thememl/2012/main" xmlns="" name="Office Theme" id="{62F939B6-93AF-4DB8-9C6B-D6C7DFDC589F}" vid="{4A3C46E8-61CC-4603-A589-7422A47A8E4A}"/>
     </a:ext>
   </a:extLst>
 </a:theme>
@@ -7093,7 +6972,7 @@
     </a:clrScheme>
     <a:fontScheme name="Office">
       <a:majorFont>
-        <a:latin typeface="Calibri Light" panose="020F0302020204030204"/>
+        <a:latin typeface="Calibri Light"/>
         <a:ea typeface=""/>
         <a:cs typeface=""/>
         <a:font script="Jpan" typeface="游ゴシック Light"/>
@@ -7128,7 +7007,7 @@
         <a:font script="Geor" typeface="Sylfaen"/>
       </a:majorFont>
       <a:minorFont>
-        <a:latin typeface="Calibri" panose="020F0502020204030204"/>
+        <a:latin typeface="Calibri"/>
         <a:ea typeface=""/>
         <a:cs typeface=""/>
         <a:font script="Jpan" typeface="游ゴシック"/>
@@ -7305,7 +7184,7 @@
   <a:extraClrSchemeLst/>
   <a:extLst>
     <a:ext uri="{05A4C25C-085E-4340-85A3-A5531E510DB2}">
-      <thm15:themeFamily xmlns:thm15="http://schemas.microsoft.com/office/thememl/2012/main" name="Office Theme" id="{62F939B6-93AF-4DB8-9C6B-D6C7DFDC589F}" vid="{4A3C46E8-61CC-4603-A589-7422A47A8E4A}"/>
+      <thm15:themeFamily xmlns:thm15="http://schemas.microsoft.com/office/thememl/2012/main" xmlns="" name="Office Theme" id="{62F939B6-93AF-4DB8-9C6B-D6C7DFDC589F}" vid="{4A3C46E8-61CC-4603-A589-7422A47A8E4A}"/>
     </a:ext>
   </a:extLst>
 </a:theme>
